--- a/USA/state/write_ups/99_thesis/02_Data/figures and tables/cod_hierarchy 2019 05 29.pptx
+++ b/USA/state/write_ups/99_thesis/02_Data/figures and tables/cod_hierarchy 2019 05 29.pptx
@@ -1349,7 +1349,7 @@
           <a:pPr algn="ctr"/>
           <a:r>
             <a:rPr lang="en-US" sz="1050" dirty="0"/>
-            <a:t>Other heart diseases</a:t>
+            <a:t>Other cardiovascular diseases</a:t>
           </a:r>
         </a:p>
       </dgm:t>
@@ -3625,7 +3625,7 @@
           </a:pPr>
           <a:r>
             <a:rPr lang="en-US" sz="1050" kern="1200" dirty="0"/>
-            <a:t>Other heart diseases</a:t>
+            <a:t>Other cardiovascular diseases</a:t>
           </a:r>
         </a:p>
       </dsp:txBody>
@@ -7703,7 +7703,7 @@
           <a:p>
             <a:fld id="{43C08EB4-AE75-8442-A625-90E5EF451E3D}" type="datetimeFigureOut">
               <a:rPr lang="en-US" smtClean="0"/>
-              <a:t>5/29/19</a:t>
+              <a:t>6/18/19</a:t>
             </a:fld>
             <a:endParaRPr lang="en-US"/>
           </a:p>
@@ -8474,7 +8474,7 @@
           <a:p>
             <a:fld id="{8605CC04-B799-524D-B039-46A0DB3E8731}" type="datetimeFigureOut">
               <a:rPr lang="en-US" smtClean="0"/>
-              <a:t>5/29/19</a:t>
+              <a:t>6/18/19</a:t>
             </a:fld>
             <a:endParaRPr lang="en-US"/>
           </a:p>
@@ -8672,7 +8672,7 @@
           <a:p>
             <a:fld id="{8605CC04-B799-524D-B039-46A0DB3E8731}" type="datetimeFigureOut">
               <a:rPr lang="en-US" smtClean="0"/>
-              <a:t>5/29/19</a:t>
+              <a:t>6/18/19</a:t>
             </a:fld>
             <a:endParaRPr lang="en-US"/>
           </a:p>
@@ -8880,7 +8880,7 @@
           <a:p>
             <a:fld id="{8605CC04-B799-524D-B039-46A0DB3E8731}" type="datetimeFigureOut">
               <a:rPr lang="en-US" smtClean="0"/>
-              <a:t>5/29/19</a:t>
+              <a:t>6/18/19</a:t>
             </a:fld>
             <a:endParaRPr lang="en-US"/>
           </a:p>
@@ -9078,7 +9078,7 @@
           <a:p>
             <a:fld id="{8605CC04-B799-524D-B039-46A0DB3E8731}" type="datetimeFigureOut">
               <a:rPr lang="en-US" smtClean="0"/>
-              <a:t>5/29/19</a:t>
+              <a:t>6/18/19</a:t>
             </a:fld>
             <a:endParaRPr lang="en-US"/>
           </a:p>
@@ -9353,7 +9353,7 @@
           <a:p>
             <a:fld id="{8605CC04-B799-524D-B039-46A0DB3E8731}" type="datetimeFigureOut">
               <a:rPr lang="en-US" smtClean="0"/>
-              <a:t>5/29/19</a:t>
+              <a:t>6/18/19</a:t>
             </a:fld>
             <a:endParaRPr lang="en-US"/>
           </a:p>
@@ -9618,7 +9618,7 @@
           <a:p>
             <a:fld id="{8605CC04-B799-524D-B039-46A0DB3E8731}" type="datetimeFigureOut">
               <a:rPr lang="en-US" smtClean="0"/>
-              <a:t>5/29/19</a:t>
+              <a:t>6/18/19</a:t>
             </a:fld>
             <a:endParaRPr lang="en-US"/>
           </a:p>
@@ -10030,7 +10030,7 @@
           <a:p>
             <a:fld id="{8605CC04-B799-524D-B039-46A0DB3E8731}" type="datetimeFigureOut">
               <a:rPr lang="en-US" smtClean="0"/>
-              <a:t>5/29/19</a:t>
+              <a:t>6/18/19</a:t>
             </a:fld>
             <a:endParaRPr lang="en-US"/>
           </a:p>
@@ -10171,7 +10171,7 @@
           <a:p>
             <a:fld id="{8605CC04-B799-524D-B039-46A0DB3E8731}" type="datetimeFigureOut">
               <a:rPr lang="en-US" smtClean="0"/>
-              <a:t>5/29/19</a:t>
+              <a:t>6/18/19</a:t>
             </a:fld>
             <a:endParaRPr lang="en-US"/>
           </a:p>
@@ -10284,7 +10284,7 @@
           <a:p>
             <a:fld id="{8605CC04-B799-524D-B039-46A0DB3E8731}" type="datetimeFigureOut">
               <a:rPr lang="en-US" smtClean="0"/>
-              <a:t>5/29/19</a:t>
+              <a:t>6/18/19</a:t>
             </a:fld>
             <a:endParaRPr lang="en-US"/>
           </a:p>
@@ -10595,7 +10595,7 @@
           <a:p>
             <a:fld id="{8605CC04-B799-524D-B039-46A0DB3E8731}" type="datetimeFigureOut">
               <a:rPr lang="en-US" smtClean="0"/>
-              <a:t>5/29/19</a:t>
+              <a:t>6/18/19</a:t>
             </a:fld>
             <a:endParaRPr lang="en-US"/>
           </a:p>
@@ -10883,7 +10883,7 @@
           <a:p>
             <a:fld id="{8605CC04-B799-524D-B039-46A0DB3E8731}" type="datetimeFigureOut">
               <a:rPr lang="en-US" smtClean="0"/>
-              <a:t>5/29/19</a:t>
+              <a:t>6/18/19</a:t>
             </a:fld>
             <a:endParaRPr lang="en-US"/>
           </a:p>
@@ -11124,7 +11124,7 @@
           <a:p>
             <a:fld id="{8605CC04-B799-524D-B039-46A0DB3E8731}" type="datetimeFigureOut">
               <a:rPr lang="en-US" smtClean="0"/>
-              <a:t>5/29/19</a:t>
+              <a:t>6/18/19</a:t>
             </a:fld>
             <a:endParaRPr lang="en-US"/>
           </a:p>
@@ -11554,7 +11554,7 @@
           <p:nvPr>
             <p:extLst>
               <p:ext uri="{D42A27DB-BD31-4B8C-83A1-F6EECF244321}">
-                <p14:modId xmlns:p14="http://schemas.microsoft.com/office/powerpoint/2010/main" val="2294557727"/>
+                <p14:modId xmlns:p14="http://schemas.microsoft.com/office/powerpoint/2010/main" val="3206246151"/>
               </p:ext>
             </p:extLst>
           </p:nvPr>
